--- a/dissertation/Data curation and the algorithm pipeline.pptx
+++ b/dissertation/Data curation and the algorithm pipeline.pptx
@@ -197,7 +197,7 @@
           <a:p>
             <a:fld id="{16BD76E8-98CC-5B4B-B66D-4377966456DE}" type="datetimeFigureOut">
               <a:rPr kumimoji="1" lang="zh-CN" altLang="en-US" smtClean="0"/>
-              <a:t>2025/8/16</a:t>
+              <a:t>2025/8/22</a:t>
             </a:fld>
             <a:endParaRPr kumimoji="1" lang="zh-CN" altLang="en-US"/>
           </a:p>
@@ -684,7 +684,7 @@
           <a:p>
             <a:fld id="{9DB85AEB-83B7-A64F-BE3D-D70DB525BD59}" type="datetimeFigureOut">
               <a:rPr kumimoji="1" lang="zh-CN" altLang="en-US" smtClean="0"/>
-              <a:t>2025/8/16</a:t>
+              <a:t>2025/8/22</a:t>
             </a:fld>
             <a:endParaRPr kumimoji="1" lang="zh-CN" altLang="en-US"/>
           </a:p>
@@ -854,7 +854,7 @@
           <a:p>
             <a:fld id="{9DB85AEB-83B7-A64F-BE3D-D70DB525BD59}" type="datetimeFigureOut">
               <a:rPr kumimoji="1" lang="zh-CN" altLang="en-US" smtClean="0"/>
-              <a:t>2025/8/16</a:t>
+              <a:t>2025/8/22</a:t>
             </a:fld>
             <a:endParaRPr kumimoji="1" lang="zh-CN" altLang="en-US"/>
           </a:p>
@@ -1034,7 +1034,7 @@
           <a:p>
             <a:fld id="{9DB85AEB-83B7-A64F-BE3D-D70DB525BD59}" type="datetimeFigureOut">
               <a:rPr kumimoji="1" lang="zh-CN" altLang="en-US" smtClean="0"/>
-              <a:t>2025/8/16</a:t>
+              <a:t>2025/8/22</a:t>
             </a:fld>
             <a:endParaRPr kumimoji="1" lang="zh-CN" altLang="en-US"/>
           </a:p>
@@ -1204,7 +1204,7 @@
           <a:p>
             <a:fld id="{9DB85AEB-83B7-A64F-BE3D-D70DB525BD59}" type="datetimeFigureOut">
               <a:rPr kumimoji="1" lang="zh-CN" altLang="en-US" smtClean="0"/>
-              <a:t>2025/8/16</a:t>
+              <a:t>2025/8/22</a:t>
             </a:fld>
             <a:endParaRPr kumimoji="1" lang="zh-CN" altLang="en-US"/>
           </a:p>
@@ -1450,7 +1450,7 @@
           <a:p>
             <a:fld id="{9DB85AEB-83B7-A64F-BE3D-D70DB525BD59}" type="datetimeFigureOut">
               <a:rPr kumimoji="1" lang="zh-CN" altLang="en-US" smtClean="0"/>
-              <a:t>2025/8/16</a:t>
+              <a:t>2025/8/22</a:t>
             </a:fld>
             <a:endParaRPr kumimoji="1" lang="zh-CN" altLang="en-US"/>
           </a:p>
@@ -1682,7 +1682,7 @@
           <a:p>
             <a:fld id="{9DB85AEB-83B7-A64F-BE3D-D70DB525BD59}" type="datetimeFigureOut">
               <a:rPr kumimoji="1" lang="zh-CN" altLang="en-US" smtClean="0"/>
-              <a:t>2025/8/16</a:t>
+              <a:t>2025/8/22</a:t>
             </a:fld>
             <a:endParaRPr kumimoji="1" lang="zh-CN" altLang="en-US"/>
           </a:p>
@@ -2049,7 +2049,7 @@
           <a:p>
             <a:fld id="{9DB85AEB-83B7-A64F-BE3D-D70DB525BD59}" type="datetimeFigureOut">
               <a:rPr kumimoji="1" lang="zh-CN" altLang="en-US" smtClean="0"/>
-              <a:t>2025/8/16</a:t>
+              <a:t>2025/8/22</a:t>
             </a:fld>
             <a:endParaRPr kumimoji="1" lang="zh-CN" altLang="en-US"/>
           </a:p>
@@ -2167,7 +2167,7 @@
           <a:p>
             <a:fld id="{9DB85AEB-83B7-A64F-BE3D-D70DB525BD59}" type="datetimeFigureOut">
               <a:rPr kumimoji="1" lang="zh-CN" altLang="en-US" smtClean="0"/>
-              <a:t>2025/8/16</a:t>
+              <a:t>2025/8/22</a:t>
             </a:fld>
             <a:endParaRPr kumimoji="1" lang="zh-CN" altLang="en-US"/>
           </a:p>
@@ -2262,7 +2262,7 @@
           <a:p>
             <a:fld id="{9DB85AEB-83B7-A64F-BE3D-D70DB525BD59}" type="datetimeFigureOut">
               <a:rPr kumimoji="1" lang="zh-CN" altLang="en-US" smtClean="0"/>
-              <a:t>2025/8/16</a:t>
+              <a:t>2025/8/22</a:t>
             </a:fld>
             <a:endParaRPr kumimoji="1" lang="zh-CN" altLang="en-US"/>
           </a:p>
@@ -2539,7 +2539,7 @@
           <a:p>
             <a:fld id="{9DB85AEB-83B7-A64F-BE3D-D70DB525BD59}" type="datetimeFigureOut">
               <a:rPr kumimoji="1" lang="zh-CN" altLang="en-US" smtClean="0"/>
-              <a:t>2025/8/16</a:t>
+              <a:t>2025/8/22</a:t>
             </a:fld>
             <a:endParaRPr kumimoji="1" lang="zh-CN" altLang="en-US"/>
           </a:p>
@@ -2796,7 +2796,7 @@
           <a:p>
             <a:fld id="{9DB85AEB-83B7-A64F-BE3D-D70DB525BD59}" type="datetimeFigureOut">
               <a:rPr kumimoji="1" lang="zh-CN" altLang="en-US" smtClean="0"/>
-              <a:t>2025/8/16</a:t>
+              <a:t>2025/8/22</a:t>
             </a:fld>
             <a:endParaRPr kumimoji="1" lang="zh-CN" altLang="en-US"/>
           </a:p>
@@ -3009,7 +3009,7 @@
           <a:p>
             <a:fld id="{9DB85AEB-83B7-A64F-BE3D-D70DB525BD59}" type="datetimeFigureOut">
               <a:rPr kumimoji="1" lang="zh-CN" altLang="en-US" smtClean="0"/>
-              <a:t>2025/8/16</a:t>
+              <a:t>2025/8/22</a:t>
             </a:fld>
             <a:endParaRPr kumimoji="1" lang="zh-CN" altLang="en-US"/>
           </a:p>
